--- a/enemy.pptx
+++ b/enemy.pptx
@@ -115,6 +115,11 @@
       </a:defRPr>
     </a:lvl9pPr>
   </p:defaultTextStyle>
+  <p:extLst>
+    <p:ext uri="{EFAFB233-063F-42B5-8137-9DF3F51BA10A}">
+      <p15:sldGuideLst xmlns:p15="http://schemas.microsoft.com/office/powerpoint/2012/main"/>
+    </p:ext>
+  </p:extLst>
 </p:presentation>
 </file>
 
@@ -4087,7 +4092,7 @@
         </p:blipFill>
         <p:spPr>
           <a:xfrm>
-            <a:off x="8561688" y="1149548"/>
+            <a:off x="8561688" y="1743695"/>
             <a:ext cx="3630312" cy="4470189"/>
           </a:xfrm>
         </p:spPr>
@@ -4570,6 +4575,204 @@
               <a:rPr kumimoji="1" lang="zh-TW" altLang="en-US" dirty="0"/>
               <a:t>組：陳嶸，吳灃晉</a:t>
             </a:r>
+          </a:p>
+        </p:txBody>
+      </p:sp>
+      <p:pic>
+        <p:nvPicPr>
+          <p:cNvPr id="4" name="圖片 3">
+            <a:extLst>
+              <a:ext uri="{FF2B5EF4-FFF2-40B4-BE49-F238E27FC236}">
+                <a16:creationId xmlns:a16="http://schemas.microsoft.com/office/drawing/2014/main" id="{489820BF-9838-CA41-A400-F678112CA2BA}"/>
+              </a:ext>
+            </a:extLst>
+          </p:cNvPr>
+          <p:cNvPicPr>
+            <a:picLocks noChangeAspect="1"/>
+          </p:cNvPicPr>
+          <p:nvPr/>
+        </p:nvPicPr>
+        <p:blipFill>
+          <a:blip r:embed="rId3"/>
+          <a:stretch>
+            <a:fillRect/>
+          </a:stretch>
+        </p:blipFill>
+        <p:spPr>
+          <a:xfrm>
+            <a:off x="4264840" y="0"/>
+            <a:ext cx="1270000" cy="1270000"/>
+          </a:xfrm>
+          <a:prstGeom prst="rect">
+            <a:avLst/>
+          </a:prstGeom>
+        </p:spPr>
+      </p:pic>
+      <p:pic>
+        <p:nvPicPr>
+          <p:cNvPr id="7" name="圖片 6">
+            <a:extLst>
+              <a:ext uri="{FF2B5EF4-FFF2-40B4-BE49-F238E27FC236}">
+                <a16:creationId xmlns:a16="http://schemas.microsoft.com/office/drawing/2014/main" id="{A6DA5809-7265-E44B-AD86-251BA6394D66}"/>
+              </a:ext>
+            </a:extLst>
+          </p:cNvPr>
+          <p:cNvPicPr>
+            <a:picLocks noChangeAspect="1"/>
+          </p:cNvPicPr>
+          <p:nvPr/>
+        </p:nvPicPr>
+        <p:blipFill>
+          <a:blip r:embed="rId4"/>
+          <a:stretch>
+            <a:fillRect/>
+          </a:stretch>
+        </p:blipFill>
+        <p:spPr>
+          <a:xfrm>
+            <a:off x="6330765" y="0"/>
+            <a:ext cx="1270000" cy="1270000"/>
+          </a:xfrm>
+          <a:prstGeom prst="rect">
+            <a:avLst/>
+          </a:prstGeom>
+        </p:spPr>
+      </p:pic>
+      <p:pic>
+        <p:nvPicPr>
+          <p:cNvPr id="11" name="圖片 10">
+            <a:extLst>
+              <a:ext uri="{FF2B5EF4-FFF2-40B4-BE49-F238E27FC236}">
+                <a16:creationId xmlns:a16="http://schemas.microsoft.com/office/drawing/2014/main" id="{60ED03AC-925D-8545-884C-89FFAD7C5715}"/>
+              </a:ext>
+            </a:extLst>
+          </p:cNvPr>
+          <p:cNvPicPr>
+            <a:picLocks noChangeAspect="1"/>
+          </p:cNvPicPr>
+          <p:nvPr/>
+        </p:nvPicPr>
+        <p:blipFill>
+          <a:blip r:embed="rId5"/>
+          <a:stretch>
+            <a:fillRect/>
+          </a:stretch>
+        </p:blipFill>
+        <p:spPr>
+          <a:xfrm>
+            <a:off x="8242134" y="9750"/>
+            <a:ext cx="1270000" cy="1270000"/>
+          </a:xfrm>
+          <a:prstGeom prst="rect">
+            <a:avLst/>
+          </a:prstGeom>
+        </p:spPr>
+      </p:pic>
+      <p:sp>
+        <p:nvSpPr>
+          <p:cNvPr id="12" name="文字方塊 11">
+            <a:extLst>
+              <a:ext uri="{FF2B5EF4-FFF2-40B4-BE49-F238E27FC236}">
+                <a16:creationId xmlns:a16="http://schemas.microsoft.com/office/drawing/2014/main" id="{4E46323E-1B8A-1846-BA60-21570EF2F08F}"/>
+              </a:ext>
+            </a:extLst>
+          </p:cNvPr>
+          <p:cNvSpPr txBox="1"/>
+          <p:nvPr/>
+        </p:nvSpPr>
+        <p:spPr>
+          <a:xfrm>
+            <a:off x="4475685" y="1374363"/>
+            <a:ext cx="848309" cy="369332"/>
+          </a:xfrm>
+          <a:prstGeom prst="rect">
+            <a:avLst/>
+          </a:prstGeom>
+          <a:noFill/>
+        </p:spPr>
+        <p:txBody>
+          <a:bodyPr wrap="none" rtlCol="0">
+            <a:spAutoFit/>
+          </a:bodyPr>
+          <a:lstStyle/>
+          <a:p>
+            <a:r>
+              <a:rPr kumimoji="1" lang="en-US" altLang="zh-TW" dirty="0"/>
+              <a:t>GitHub</a:t>
+            </a:r>
+            <a:endParaRPr kumimoji="1" lang="zh-TW" altLang="en-US" dirty="0"/>
+          </a:p>
+        </p:txBody>
+      </p:sp>
+      <p:sp>
+        <p:nvSpPr>
+          <p:cNvPr id="16" name="文字方塊 15">
+            <a:extLst>
+              <a:ext uri="{FF2B5EF4-FFF2-40B4-BE49-F238E27FC236}">
+                <a16:creationId xmlns:a16="http://schemas.microsoft.com/office/drawing/2014/main" id="{13716AC8-26CD-BC49-B468-F00E4DE41D49}"/>
+              </a:ext>
+            </a:extLst>
+          </p:cNvPr>
+          <p:cNvSpPr txBox="1"/>
+          <p:nvPr/>
+        </p:nvSpPr>
+        <p:spPr>
+          <a:xfrm>
+            <a:off x="6496784" y="1378714"/>
+            <a:ext cx="742447" cy="369332"/>
+          </a:xfrm>
+          <a:prstGeom prst="rect">
+            <a:avLst/>
+          </a:prstGeom>
+          <a:noFill/>
+        </p:spPr>
+        <p:txBody>
+          <a:bodyPr wrap="none" rtlCol="0">
+            <a:spAutoFit/>
+          </a:bodyPr>
+          <a:lstStyle/>
+          <a:p>
+            <a:r>
+              <a:rPr kumimoji="1" lang="en-US" altLang="zh-TW" dirty="0"/>
+              <a:t>Twine</a:t>
+            </a:r>
+            <a:endParaRPr kumimoji="1" lang="zh-TW" altLang="en-US" dirty="0"/>
+          </a:p>
+        </p:txBody>
+      </p:sp>
+      <p:sp>
+        <p:nvSpPr>
+          <p:cNvPr id="17" name="文字方塊 16">
+            <a:extLst>
+              <a:ext uri="{FF2B5EF4-FFF2-40B4-BE49-F238E27FC236}">
+                <a16:creationId xmlns:a16="http://schemas.microsoft.com/office/drawing/2014/main" id="{81893F13-FEBE-E044-9AA2-C0F78F85EC31}"/>
+              </a:ext>
+            </a:extLst>
+          </p:cNvPr>
+          <p:cNvSpPr txBox="1"/>
+          <p:nvPr/>
+        </p:nvSpPr>
+        <p:spPr>
+          <a:xfrm>
+            <a:off x="8444177" y="1337584"/>
+            <a:ext cx="615874" cy="369332"/>
+          </a:xfrm>
+          <a:prstGeom prst="rect">
+            <a:avLst/>
+          </a:prstGeom>
+          <a:noFill/>
+        </p:spPr>
+        <p:txBody>
+          <a:bodyPr wrap="none" rtlCol="0">
+            <a:spAutoFit/>
+          </a:bodyPr>
+          <a:lstStyle/>
+          <a:p>
+            <a:r>
+              <a:rPr kumimoji="1" lang="en-US" altLang="zh-TW" dirty="0" err="1"/>
+              <a:t>WiKi</a:t>
+            </a:r>
+            <a:endParaRPr kumimoji="1" lang="zh-TW" altLang="en-US" dirty="0"/>
           </a:p>
         </p:txBody>
       </p:sp>
